--- a/Documents/80-ConvNeuralNetworks.pptx
+++ b/Documents/80-ConvNeuralNetworks.pptx
@@ -5,18 +5,20 @@
     <p:sldMasterId id="2147483648" r:id="rId1"/>
   </p:sldMasterIdLst>
   <p:notesMasterIdLst>
-    <p:notesMasterId r:id="rId8"/>
+    <p:notesMasterId r:id="rId10"/>
   </p:notesMasterIdLst>
   <p:handoutMasterIdLst>
-    <p:handoutMasterId r:id="rId9"/>
+    <p:handoutMasterId r:id="rId11"/>
   </p:handoutMasterIdLst>
   <p:sldIdLst>
     <p:sldId id="263" r:id="rId2"/>
     <p:sldId id="264" r:id="rId3"/>
     <p:sldId id="265" r:id="rId4"/>
     <p:sldId id="266" r:id="rId5"/>
-    <p:sldId id="267" r:id="rId6"/>
-    <p:sldId id="268" r:id="rId7"/>
+    <p:sldId id="268" r:id="rId6"/>
+    <p:sldId id="267" r:id="rId7"/>
+    <p:sldId id="269" r:id="rId8"/>
+    <p:sldId id="270" r:id="rId9"/>
   </p:sldIdLst>
   <p:sldSz cx="9144000" cy="6858000" type="screen4x3"/>
   <p:notesSz cx="6858000" cy="9144000"/>
@@ -202,7 +204,7 @@
             <a:fld id="{D83FDC75-7F73-4A4A-A77C-09AADF00E0EA}" type="datetimeFigureOut">
               <a:rPr lang="en-US" smtClean="0"/>
               <a:pPr/>
-              <a:t>5/18/18</a:t>
+              <a:t>5/19/18</a:t>
             </a:fld>
             <a:endParaRPr lang="en-US" dirty="0"/>
           </a:p>
@@ -369,7 +371,7 @@
             <a:fld id="{48AEF76B-3757-4A0B-AF93-28494465C1DD}" type="datetimeFigureOut">
               <a:rPr lang="en-US" smtClean="0"/>
               <a:pPr/>
-              <a:t>5/18/18</a:t>
+              <a:t>5/19/18</a:t>
             </a:fld>
             <a:endParaRPr lang="en-US" dirty="0"/>
           </a:p>
@@ -1106,7 +1108,7 @@
             <a:fld id="{757B281C-5159-4971-8228-52B9A72E9ED2}" type="datetimeFigureOut">
               <a:rPr lang="en-US" smtClean="0"/>
               <a:pPr/>
-              <a:t>5/18/18</a:t>
+              <a:t>5/19/18</a:t>
             </a:fld>
             <a:endParaRPr lang="en-US" dirty="0"/>
           </a:p>
@@ -1208,7 +1210,7 @@
             <a:fld id="{757B281C-5159-4971-8228-52B9A72E9ED2}" type="datetimeFigureOut">
               <a:rPr lang="en-US" smtClean="0"/>
               <a:pPr/>
-              <a:t>5/18/18</a:t>
+              <a:t>5/19/18</a:t>
             </a:fld>
             <a:endParaRPr lang="en-US" dirty="0"/>
           </a:p>
@@ -1344,7 +1346,7 @@
             <a:fld id="{757B281C-5159-4971-8228-52B9A72E9ED2}" type="datetimeFigureOut">
               <a:rPr lang="en-US" smtClean="0"/>
               <a:pPr/>
-              <a:t>5/18/18</a:t>
+              <a:t>5/19/18</a:t>
             </a:fld>
             <a:endParaRPr lang="en-US" dirty="0"/>
           </a:p>
@@ -1550,7 +1552,7 @@
             <a:fld id="{757B281C-5159-4971-8228-52B9A72E9ED2}" type="datetimeFigureOut">
               <a:rPr lang="en-US" smtClean="0"/>
               <a:pPr/>
-              <a:t>5/18/18</a:t>
+              <a:t>5/19/18</a:t>
             </a:fld>
             <a:endParaRPr lang="en-US" dirty="0"/>
           </a:p>
@@ -1930,7 +1932,7 @@
             <a:fld id="{757B281C-5159-4971-8228-52B9A72E9ED2}" type="datetimeFigureOut">
               <a:rPr lang="en-US" smtClean="0"/>
               <a:pPr/>
-              <a:t>5/18/18</a:t>
+              <a:t>5/19/18</a:t>
             </a:fld>
             <a:endParaRPr lang="en-US" dirty="0"/>
           </a:p>
@@ -2230,7 +2232,7 @@
             <a:fld id="{757B281C-5159-4971-8228-52B9A72E9ED2}" type="datetimeFigureOut">
               <a:rPr lang="en-US" smtClean="0"/>
               <a:pPr/>
-              <a:t>5/18/18</a:t>
+              <a:t>5/19/18</a:t>
             </a:fld>
             <a:endParaRPr lang="en-US" dirty="0"/>
           </a:p>
@@ -2659,7 +2661,7 @@
             <a:fld id="{757B281C-5159-4971-8228-52B9A72E9ED2}" type="datetimeFigureOut">
               <a:rPr lang="en-US" smtClean="0"/>
               <a:pPr/>
-              <a:t>5/18/18</a:t>
+              <a:t>5/19/18</a:t>
             </a:fld>
             <a:endParaRPr lang="en-US" dirty="0"/>
           </a:p>
@@ -2936,7 +2938,7 @@
             <a:fld id="{757B281C-5159-4971-8228-52B9A72E9ED2}" type="datetimeFigureOut">
               <a:rPr lang="en-US" smtClean="0"/>
               <a:pPr/>
-              <a:t>5/18/18</a:t>
+              <a:t>5/19/18</a:t>
             </a:fld>
             <a:endParaRPr lang="en-US" dirty="0"/>
           </a:p>
@@ -3200,7 +3202,7 @@
             <a:fld id="{757B281C-5159-4971-8228-52B9A72E9ED2}" type="datetimeFigureOut">
               <a:rPr lang="en-US" smtClean="0"/>
               <a:pPr/>
-              <a:t>5/18/18</a:t>
+              <a:t>5/19/18</a:t>
             </a:fld>
             <a:endParaRPr lang="en-US" dirty="0"/>
           </a:p>
@@ -3370,7 +3372,7 @@
             <a:fld id="{757B281C-5159-4971-8228-52B9A72E9ED2}" type="datetimeFigureOut">
               <a:rPr lang="en-US" smtClean="0"/>
               <a:pPr/>
-              <a:t>5/18/18</a:t>
+              <a:t>5/19/18</a:t>
             </a:fld>
             <a:endParaRPr lang="en-US" dirty="0"/>
           </a:p>
@@ -3550,7 +3552,7 @@
             <a:fld id="{757B281C-5159-4971-8228-52B9A72E9ED2}" type="datetimeFigureOut">
               <a:rPr lang="en-US" smtClean="0"/>
               <a:pPr/>
-              <a:t>5/18/18</a:t>
+              <a:t>5/19/18</a:t>
             </a:fld>
             <a:endParaRPr lang="en-US" dirty="0"/>
           </a:p>
@@ -3792,7 +3794,7 @@
             <a:fld id="{757B281C-5159-4971-8228-52B9A72E9ED2}" type="datetimeFigureOut">
               <a:rPr lang="en-US" smtClean="0"/>
               <a:pPr/>
-              <a:t>5/18/18</a:t>
+              <a:t>5/19/18</a:t>
             </a:fld>
             <a:endParaRPr lang="en-US" dirty="0"/>
           </a:p>
@@ -4215,47 +4217,102 @@
         </p:nvSpPr>
         <p:spPr/>
         <p:txBody>
-          <a:bodyPr/>
-          <a:lstStyle/>
-          <a:p>
-            <a:r>
-              <a:rPr lang="en-US" dirty="0" smtClean="0"/>
-              <a:t>Artificial Neural Networks</a:t>
-            </a:r>
-            <a:endParaRPr lang="en-US" dirty="0"/>
-          </a:p>
-        </p:txBody>
-      </p:sp>
-      <p:sp>
-        <p:nvSpPr>
-          <p:cNvPr id="3" name="Content Placeholder 2"/>
-          <p:cNvSpPr>
-            <a:spLocks noGrp="1"/>
-          </p:cNvSpPr>
-          <p:nvPr>
-            <p:ph idx="1"/>
-          </p:nvPr>
-        </p:nvSpPr>
-        <p:spPr/>
-        <p:txBody>
           <a:bodyPr>
-            <a:normAutofit fontScale="77500" lnSpcReduction="20000"/>
+            <a:normAutofit/>
           </a:bodyPr>
           <a:lstStyle/>
           <a:p>
             <a:r>
+              <a:rPr lang="en-US" dirty="0" smtClean="0"/>
+              <a:t>Convolutional Neural </a:t>
+            </a:r>
+            <a:r>
+              <a:rPr lang="en-US" dirty="0" smtClean="0"/>
+              <a:t>Networks</a:t>
+            </a:r>
+            <a:endParaRPr lang="en-US" dirty="0"/>
+          </a:p>
+        </p:txBody>
+      </p:sp>
+      <p:sp>
+        <p:nvSpPr>
+          <p:cNvPr id="3" name="Content Placeholder 2"/>
+          <p:cNvSpPr>
+            <a:spLocks noGrp="1"/>
+          </p:cNvSpPr>
+          <p:nvPr>
+            <p:ph idx="1"/>
+          </p:nvPr>
+        </p:nvSpPr>
+        <p:spPr/>
+        <p:txBody>
+          <a:bodyPr>
+            <a:normAutofit fontScale="70000" lnSpcReduction="20000"/>
+          </a:bodyPr>
+          <a:lstStyle/>
+          <a:p>
+            <a:endParaRPr lang="en-US" dirty="0"/>
+          </a:p>
+          <a:p>
+            <a:r>
+              <a:rPr lang="en-US" dirty="0" smtClean="0"/>
+              <a:t>In </a:t>
+            </a:r>
+            <a:r>
               <a:rPr lang="en-US" dirty="0"/>
-              <a:t>The idea of ANNs is based on the belief that working of human brain by making the right connections, can be imitated using silicon and wires as living neurons and dendrites.</a:t>
-            </a:r>
-          </a:p>
-          <a:p>
-            <a:endParaRPr lang="en-US" dirty="0"/>
-          </a:p>
-          <a:p>
+              <a:t>machine learning, a convolutional neural network (CNN, or </a:t>
+            </a:r>
+            <a:r>
+              <a:rPr lang="en-US" dirty="0" err="1"/>
+              <a:t>ConvNet</a:t>
+            </a:r>
             <a:r>
               <a:rPr lang="en-US" dirty="0"/>
-              <a:t>The human brain is composed of 86 billion nerve cells called neurons. They are connected to other thousand cells by Axons. Stimuli from external environment or inputs from sensory organs are accepted by dendrites. These inputs create electric impulses, which quickly travel through the neural network. A neuron can then send the message to other neuron to handle the issue or does not send it forward.</a:t>
-            </a:r>
+              <a:t>) is a class of deep, feed-forward artificial neural networks that has successfully been applied to analyzing visual imagery.</a:t>
+            </a:r>
+          </a:p>
+          <a:p>
+            <a:endParaRPr lang="en-US" dirty="0"/>
+          </a:p>
+          <a:p>
+            <a:r>
+              <a:rPr lang="en-US" dirty="0"/>
+              <a:t>CNNs use a variation of multilayer </a:t>
+            </a:r>
+            <a:r>
+              <a:rPr lang="en-US" dirty="0" err="1"/>
+              <a:t>perceptrons</a:t>
+            </a:r>
+            <a:r>
+              <a:rPr lang="en-US" dirty="0"/>
+              <a:t> designed to require minimal preprocessing</a:t>
+            </a:r>
+            <a:r>
+              <a:rPr lang="en-US" dirty="0" smtClean="0"/>
+              <a:t>.</a:t>
+            </a:r>
+          </a:p>
+          <a:p>
+            <a:endParaRPr lang="en-US" dirty="0"/>
+          </a:p>
+          <a:p>
+            <a:r>
+              <a:rPr lang="en-US" dirty="0" smtClean="0"/>
+              <a:t>They </a:t>
+            </a:r>
+            <a:r>
+              <a:rPr lang="en-US" dirty="0"/>
+              <a:t>are also known as shift invariant or space invariant artificial neural networks (SIANN), based on their shared-weights architecture and translation invariance </a:t>
+            </a:r>
+            <a:r>
+              <a:rPr lang="en-US" dirty="0" smtClean="0"/>
+              <a:t>characteristics</a:t>
+            </a:r>
+            <a:r>
+              <a:rPr lang="en-US" dirty="0"/>
+              <a:t>.</a:t>
+            </a:r>
+            <a:endParaRPr lang="en-US" dirty="0"/>
           </a:p>
         </p:txBody>
       </p:sp>
@@ -4309,7 +4366,7 @@
           <a:p>
             <a:r>
               <a:rPr lang="en-US" dirty="0" smtClean="0"/>
-              <a:t>ANN Structure</a:t>
+              <a:t>Convolutional Neural Networks</a:t>
             </a:r>
             <a:endParaRPr lang="en-US" dirty="0"/>
           </a:p>
@@ -4331,8 +4388,8 @@
         </p:blipFill>
         <p:spPr>
           <a:xfrm>
-            <a:off x="1676400" y="1393516"/>
-            <a:ext cx="7099300" cy="5450204"/>
+            <a:off x="-137160" y="1600200"/>
+            <a:ext cx="9357360" cy="3581400"/>
           </a:xfrm>
           <a:prstGeom prst="rect">
             <a:avLst/>
@@ -4342,7 +4399,7 @@
     </p:spTree>
     <p:extLst>
       <p:ext uri="{BB962C8B-B14F-4D97-AF65-F5344CB8AC3E}">
-        <p14:creationId xmlns:p14="http://schemas.microsoft.com/office/powerpoint/2010/main" val="74747646"/>
+        <p14:creationId xmlns:p14="http://schemas.microsoft.com/office/powerpoint/2010/main" val="448734448"/>
       </p:ext>
     </p:extLst>
   </p:cSld>
@@ -4389,69 +4446,7 @@
           <a:p>
             <a:r>
               <a:rPr lang="en-US" dirty="0" smtClean="0"/>
-              <a:t>Math in the Neural Network</a:t>
-            </a:r>
-            <a:endParaRPr lang="en-US" dirty="0"/>
-          </a:p>
-        </p:txBody>
-      </p:sp>
-      <p:sp>
-        <p:nvSpPr>
-          <p:cNvPr id="3" name="Content Placeholder 2"/>
-          <p:cNvSpPr>
-            <a:spLocks noGrp="1"/>
-          </p:cNvSpPr>
-          <p:nvPr>
-            <p:ph idx="1"/>
-          </p:nvPr>
-        </p:nvSpPr>
-        <p:spPr/>
-        <p:txBody>
-          <a:bodyPr>
-            <a:normAutofit fontScale="92500" lnSpcReduction="20000"/>
-          </a:bodyPr>
-          <a:lstStyle/>
-          <a:p>
-            <a:r>
-              <a:rPr lang="en-US" dirty="0" smtClean="0"/>
-              <a:t>Each node has a value which is sum of products of weights times inputs</a:t>
-            </a:r>
-          </a:p>
-          <a:p>
-            <a:endParaRPr lang="en-US" dirty="0"/>
-          </a:p>
-          <a:p>
-            <a:r>
-              <a:rPr lang="en-US" dirty="0" smtClean="0"/>
-              <a:t>There may be huge numbers of nodes</a:t>
-            </a:r>
-          </a:p>
-          <a:p>
-            <a:endParaRPr lang="en-US" dirty="0"/>
-          </a:p>
-          <a:p>
-            <a:r>
-              <a:rPr lang="en-US" dirty="0" smtClean="0"/>
-              <a:t>There may be several layers of nodes</a:t>
-            </a:r>
-          </a:p>
-          <a:p>
-            <a:endParaRPr lang="en-US" dirty="0"/>
-          </a:p>
-          <a:p>
-            <a:r>
-              <a:rPr lang="en-US" dirty="0" smtClean="0"/>
-              <a:t>But as Andrew Ng says, it is really just</a:t>
-            </a:r>
-          </a:p>
-          <a:p>
-            <a:r>
-              <a:rPr lang="en-US" dirty="0"/>
-              <a:t> </a:t>
-            </a:r>
-            <a:r>
-              <a:rPr lang="en-US" dirty="0" smtClean="0"/>
-              <a:t>  </a:t>
+              <a:t>Convolution Layer</a:t>
             </a:r>
             <a:endParaRPr lang="en-US" dirty="0"/>
           </a:p>
@@ -4459,62 +4454,38 @@
       </p:sp>
       <p:pic>
         <p:nvPicPr>
-          <p:cNvPr id="4" name="Picture 3"/>
+          <p:cNvPr id="4" name="Picture 3" descr="cnn.png"/>
           <p:cNvPicPr>
             <a:picLocks noChangeAspect="1"/>
           </p:cNvPicPr>
           <p:nvPr/>
         </p:nvPicPr>
         <p:blipFill>
-          <a:blip r:embed="rId2"/>
+          <a:blip r:embed="rId2">
+            <a:extLst>
+              <a:ext uri="{28A0092B-C50C-407E-A947-70E740481C1C}">
+                <a14:useLocalDpi xmlns:a14="http://schemas.microsoft.com/office/drawing/2010/main" val="0"/>
+              </a:ext>
+            </a:extLst>
+          </a:blip>
           <a:stretch>
             <a:fillRect/>
           </a:stretch>
         </p:blipFill>
         <p:spPr>
           <a:xfrm>
-            <a:off x="1828800" y="5257800"/>
-            <a:ext cx="5394960" cy="914400"/>
+            <a:off x="1752600" y="1981200"/>
+            <a:ext cx="6417330" cy="4178300"/>
           </a:xfrm>
           <a:prstGeom prst="rect">
             <a:avLst/>
           </a:prstGeom>
         </p:spPr>
       </p:pic>
-      <p:sp>
-        <p:nvSpPr>
-          <p:cNvPr id="5" name="TextBox 4"/>
-          <p:cNvSpPr txBox="1"/>
-          <p:nvPr/>
-        </p:nvSpPr>
-        <p:spPr>
-          <a:xfrm>
-            <a:off x="4724400" y="6248400"/>
-            <a:ext cx="3962400" cy="369332"/>
-          </a:xfrm>
-          <a:prstGeom prst="rect">
-            <a:avLst/>
-          </a:prstGeom>
-          <a:noFill/>
-        </p:spPr>
-        <p:txBody>
-          <a:bodyPr wrap="square" rtlCol="0">
-            <a:spAutoFit/>
-          </a:bodyPr>
-          <a:lstStyle/>
-          <a:p>
-            <a:r>
-              <a:rPr lang="en-US" dirty="0" smtClean="0"/>
-              <a:t>But for a gazillion nodes!</a:t>
-            </a:r>
-            <a:endParaRPr lang="en-US" dirty="0"/>
-          </a:p>
-        </p:txBody>
-      </p:sp>
     </p:spTree>
     <p:extLst>
       <p:ext uri="{BB962C8B-B14F-4D97-AF65-F5344CB8AC3E}">
-        <p14:creationId xmlns:p14="http://schemas.microsoft.com/office/powerpoint/2010/main" val="1716360556"/>
+        <p14:creationId xmlns:p14="http://schemas.microsoft.com/office/powerpoint/2010/main" val="2544744437"/>
       </p:ext>
     </p:extLst>
   </p:cSld>
@@ -4561,53 +4532,86 @@
           <a:p>
             <a:r>
               <a:rPr lang="en-US" dirty="0" smtClean="0"/>
-              <a:t>How do we train the ANN?</a:t>
-            </a:r>
-            <a:endParaRPr lang="en-US" dirty="0"/>
-          </a:p>
-        </p:txBody>
-      </p:sp>
-      <p:sp>
-        <p:nvSpPr>
-          <p:cNvPr id="3" name="Content Placeholder 2"/>
-          <p:cNvSpPr>
-            <a:spLocks noGrp="1"/>
-          </p:cNvSpPr>
+              <a:t>Weights to look for features</a:t>
+            </a:r>
+            <a:endParaRPr lang="en-US" dirty="0"/>
+          </a:p>
+        </p:txBody>
+      </p:sp>
+      <p:pic>
+        <p:nvPicPr>
+          <p:cNvPr id="4" name="Content Placeholder 3"/>
+          <p:cNvPicPr>
+            <a:picLocks noGrp="1" noChangeAspect="1"/>
+          </p:cNvPicPr>
           <p:nvPr>
             <p:ph idx="1"/>
           </p:nvPr>
-        </p:nvSpPr>
+        </p:nvPicPr>
+        <p:blipFill>
+          <a:blip r:embed="rId2"/>
+          <a:srcRect l="2131" r="2131"/>
+          <a:stretch>
+            <a:fillRect/>
+          </a:stretch>
+        </p:blipFill>
         <p:spPr/>
-        <p:txBody>
-          <a:bodyPr/>
+      </p:pic>
+      <p:sp>
+        <p:nvSpPr>
+          <p:cNvPr id="5" name="TextBox 4"/>
+          <p:cNvSpPr txBox="1"/>
+          <p:nvPr/>
+        </p:nvSpPr>
+        <p:spPr>
+          <a:xfrm>
+            <a:off x="1295400" y="6096000"/>
+            <a:ext cx="2971800" cy="369332"/>
+          </a:xfrm>
+          <a:prstGeom prst="rect">
+            <a:avLst/>
+          </a:prstGeom>
+          <a:noFill/>
+        </p:spPr>
+        <p:txBody>
+          <a:bodyPr wrap="square" rtlCol="0">
+            <a:spAutoFit/>
+          </a:bodyPr>
           <a:lstStyle/>
           <a:p>
             <a:r>
               <a:rPr lang="en-US" dirty="0" smtClean="0"/>
-              <a:t>Define a cost function (this is supervised learning)</a:t>
-            </a:r>
-          </a:p>
+              <a:t>Horizontal Line</a:t>
+            </a:r>
+            <a:endParaRPr lang="en-US" dirty="0"/>
+          </a:p>
+        </p:txBody>
+      </p:sp>
+      <p:sp>
+        <p:nvSpPr>
+          <p:cNvPr id="6" name="TextBox 5"/>
+          <p:cNvSpPr txBox="1"/>
+          <p:nvPr/>
+        </p:nvSpPr>
+        <p:spPr>
+          <a:xfrm>
+            <a:off x="4876800" y="6096000"/>
+            <a:ext cx="2971800" cy="369332"/>
+          </a:xfrm>
+          <a:prstGeom prst="rect">
+            <a:avLst/>
+          </a:prstGeom>
+          <a:noFill/>
+        </p:spPr>
+        <p:txBody>
+          <a:bodyPr wrap="square" rtlCol="0">
+            <a:spAutoFit/>
+          </a:bodyPr>
+          <a:lstStyle/>
           <a:p>
             <a:r>
               <a:rPr lang="en-US" dirty="0" smtClean="0"/>
-              <a:t>Seek to minimize it using Gradient Descent</a:t>
-            </a:r>
-          </a:p>
-          <a:p>
-            <a:endParaRPr lang="en-US" dirty="0"/>
-          </a:p>
-          <a:p>
-            <a:r>
-              <a:rPr lang="en-US" dirty="0" smtClean="0"/>
-              <a:t>Use an algorithm called “</a:t>
-            </a:r>
-            <a:r>
-              <a:rPr lang="en-US" dirty="0" err="1" smtClean="0"/>
-              <a:t>Backpropagation</a:t>
-            </a:r>
-            <a:r>
-              <a:rPr lang="en-US" dirty="0" smtClean="0"/>
-              <a:t>” to run the minimization algorithm from the outputs back to the inputs.</a:t>
+              <a:t>Vertical Line</a:t>
             </a:r>
             <a:endParaRPr lang="en-US" dirty="0"/>
           </a:p>
@@ -4616,7 +4620,7 @@
     </p:spTree>
     <p:extLst>
       <p:ext uri="{BB962C8B-B14F-4D97-AF65-F5344CB8AC3E}">
-        <p14:creationId xmlns:p14="http://schemas.microsoft.com/office/powerpoint/2010/main" val="4045299198"/>
+        <p14:creationId xmlns:p14="http://schemas.microsoft.com/office/powerpoint/2010/main" val="1478129633"/>
       </p:ext>
     </p:extLst>
   </p:cSld>
@@ -4663,59 +4667,46 @@
           <a:p>
             <a:r>
               <a:rPr lang="en-US" dirty="0" smtClean="0"/>
-              <a:t>Why is this Hot Today?</a:t>
-            </a:r>
-            <a:endParaRPr lang="en-US" dirty="0"/>
-          </a:p>
-        </p:txBody>
-      </p:sp>
-      <p:sp>
-        <p:nvSpPr>
-          <p:cNvPr id="3" name="Content Placeholder 2"/>
-          <p:cNvSpPr>
-            <a:spLocks noGrp="1"/>
-          </p:cNvSpPr>
-          <p:nvPr>
-            <p:ph idx="1"/>
-          </p:nvPr>
-        </p:nvSpPr>
-        <p:spPr/>
-        <p:txBody>
-          <a:bodyPr>
-            <a:normAutofit lnSpcReduction="10000"/>
-          </a:bodyPr>
-          <a:lstStyle/>
-          <a:p>
-            <a:r>
-              <a:rPr lang="en-US" dirty="0" smtClean="0"/>
-              <a:t>We now have enough data and enough CPU compute power to run these calculations</a:t>
-            </a:r>
-          </a:p>
-          <a:p>
-            <a:endParaRPr lang="en-US" dirty="0"/>
-          </a:p>
-          <a:p>
-            <a:r>
-              <a:rPr lang="en-US" dirty="0" smtClean="0"/>
-              <a:t>You might need a million records, and you might use hours of iterations for training</a:t>
-            </a:r>
-          </a:p>
-          <a:p>
-            <a:endParaRPr lang="en-US" dirty="0"/>
-          </a:p>
-          <a:p>
-            <a:r>
-              <a:rPr lang="en-US" dirty="0" smtClean="0"/>
-              <a:t>The surprise is how broadly this concept can be applied</a:t>
-            </a:r>
-            <a:endParaRPr lang="en-US" dirty="0"/>
-          </a:p>
-        </p:txBody>
-      </p:sp>
+              <a:t>Applying these to images</a:t>
+            </a:r>
+            <a:endParaRPr lang="en-US" dirty="0"/>
+          </a:p>
+        </p:txBody>
+      </p:sp>
+      <p:pic>
+        <p:nvPicPr>
+          <p:cNvPr id="4" name="Picture 3" descr="filters.png"/>
+          <p:cNvPicPr>
+            <a:picLocks noChangeAspect="1"/>
+          </p:cNvPicPr>
+          <p:nvPr/>
+        </p:nvPicPr>
+        <p:blipFill>
+          <a:blip r:embed="rId2" cstate="print">
+            <a:extLst>
+              <a:ext uri="{28A0092B-C50C-407E-A947-70E740481C1C}">
+                <a14:useLocalDpi xmlns:a14="http://schemas.microsoft.com/office/drawing/2010/main" val="0"/>
+              </a:ext>
+            </a:extLst>
+          </a:blip>
+          <a:stretch>
+            <a:fillRect/>
+          </a:stretch>
+        </p:blipFill>
+        <p:spPr>
+          <a:xfrm>
+            <a:off x="826736" y="1524000"/>
+            <a:ext cx="7545823" cy="4737100"/>
+          </a:xfrm>
+          <a:prstGeom prst="rect">
+            <a:avLst/>
+          </a:prstGeom>
+        </p:spPr>
+      </p:pic>
     </p:spTree>
     <p:extLst>
       <p:ext uri="{BB962C8B-B14F-4D97-AF65-F5344CB8AC3E}">
-        <p14:creationId xmlns:p14="http://schemas.microsoft.com/office/powerpoint/2010/main" val="303820372"/>
+        <p14:creationId xmlns:p14="http://schemas.microsoft.com/office/powerpoint/2010/main" val="3839101384"/>
       </p:ext>
     </p:extLst>
   </p:cSld>
@@ -4762,193 +4753,207 @@
           <a:p>
             <a:r>
               <a:rPr lang="en-US" dirty="0" smtClean="0"/>
-              <a:t>Applications of Neural Nets</a:t>
-            </a:r>
-            <a:endParaRPr lang="en-US" dirty="0"/>
-          </a:p>
-        </p:txBody>
-      </p:sp>
-      <p:sp>
-        <p:nvSpPr>
-          <p:cNvPr id="3" name="Content Placeholder 2"/>
-          <p:cNvSpPr>
-            <a:spLocks noGrp="1"/>
-          </p:cNvSpPr>
-          <p:nvPr>
-            <p:ph idx="1"/>
-          </p:nvPr>
-        </p:nvSpPr>
+              <a:t>Pooling Layer</a:t>
+            </a:r>
+            <a:endParaRPr lang="en-US" dirty="0"/>
+          </a:p>
+        </p:txBody>
+      </p:sp>
+      <p:pic>
+        <p:nvPicPr>
+          <p:cNvPr id="4" name="Picture 3"/>
+          <p:cNvPicPr>
+            <a:picLocks noChangeAspect="1"/>
+          </p:cNvPicPr>
+          <p:nvPr/>
+        </p:nvPicPr>
+        <p:blipFill>
+          <a:blip r:embed="rId2"/>
+          <a:stretch>
+            <a:fillRect/>
+          </a:stretch>
+        </p:blipFill>
         <p:spPr>
           <a:xfrm>
-            <a:off x="762000" y="1596413"/>
-            <a:ext cx="8077200" cy="5109187"/>
+            <a:off x="0" y="1282700"/>
+            <a:ext cx="9144000" cy="4291366"/>
           </a:xfrm>
+          <a:prstGeom prst="rect">
+            <a:avLst/>
+          </a:prstGeom>
         </p:spPr>
-        <p:txBody>
-          <a:bodyPr>
-            <a:normAutofit fontScale="70000" lnSpcReduction="20000"/>
-          </a:bodyPr>
-          <a:lstStyle/>
-          <a:p>
-            <a:r>
-              <a:rPr lang="en-US" dirty="0" smtClean="0"/>
-              <a:t>system </a:t>
-            </a:r>
-            <a:r>
-              <a:rPr lang="en-US" dirty="0"/>
-              <a:t>identification and control (vehicle control, trajectory prediction</a:t>
-            </a:r>
-            <a:r>
-              <a:rPr lang="en-US" dirty="0" smtClean="0"/>
-              <a:t>, process control</a:t>
-            </a:r>
-            <a:r>
-              <a:rPr lang="en-US" dirty="0"/>
-              <a:t>)</a:t>
-            </a:r>
-            <a:endParaRPr lang="en-US" dirty="0" smtClean="0"/>
-          </a:p>
-          <a:p>
-            <a:r>
-              <a:rPr lang="en-US" dirty="0" smtClean="0"/>
-              <a:t>game</a:t>
-            </a:r>
-            <a:r>
-              <a:rPr lang="en-US" dirty="0"/>
-              <a:t>-playing and decision making (backgammon, chess, poker), </a:t>
-            </a:r>
-            <a:endParaRPr lang="en-US" dirty="0" smtClean="0"/>
-          </a:p>
-          <a:p>
-            <a:r>
-              <a:rPr lang="en-US" dirty="0" smtClean="0"/>
-              <a:t>pattern </a:t>
-            </a:r>
-            <a:r>
-              <a:rPr lang="en-US" dirty="0"/>
-              <a:t>recognition (radar systems, face identification, signal classification</a:t>
-            </a:r>
-            <a:r>
-              <a:rPr lang="en-US" dirty="0" smtClean="0"/>
-              <a:t>, </a:t>
-            </a:r>
-            <a:r>
-              <a:rPr lang="en-US" dirty="0"/>
-              <a:t>object recognition and more), </a:t>
-            </a:r>
-            <a:endParaRPr lang="en-US" dirty="0" smtClean="0"/>
-          </a:p>
-          <a:p>
-            <a:r>
-              <a:rPr lang="en-US" dirty="0" smtClean="0"/>
-              <a:t>sequence </a:t>
-            </a:r>
-            <a:r>
-              <a:rPr lang="en-US" dirty="0"/>
-              <a:t>recognition (gesture, speech, handwritten and printed text recognition)</a:t>
-            </a:r>
-            <a:r>
-              <a:rPr lang="en-US" dirty="0" smtClean="0"/>
-              <a:t>,</a:t>
-            </a:r>
-          </a:p>
-          <a:p>
-            <a:r>
-              <a:rPr lang="en-US" dirty="0" smtClean="0"/>
-              <a:t>medical </a:t>
-            </a:r>
-            <a:r>
-              <a:rPr lang="en-US" dirty="0"/>
-              <a:t>diagnosis, </a:t>
-            </a:r>
-            <a:endParaRPr lang="en-US" dirty="0" smtClean="0"/>
-          </a:p>
-          <a:p>
-            <a:r>
-              <a:rPr lang="en-US" dirty="0"/>
-              <a:t>natural resource </a:t>
-            </a:r>
-            <a:r>
-              <a:rPr lang="en-US" dirty="0" smtClean="0"/>
-              <a:t>management, </a:t>
-            </a:r>
-            <a:endParaRPr lang="en-US" dirty="0"/>
-          </a:p>
-          <a:p>
-            <a:r>
-              <a:rPr lang="en-US" dirty="0" smtClean="0"/>
-              <a:t>finance </a:t>
-            </a:r>
-            <a:r>
-              <a:rPr lang="en-US" dirty="0"/>
-              <a:t>(e.g. automated trading systems), </a:t>
-            </a:r>
-            <a:endParaRPr lang="en-US" dirty="0" smtClean="0"/>
-          </a:p>
-          <a:p>
-            <a:r>
-              <a:rPr lang="en-US" dirty="0" smtClean="0"/>
-              <a:t>data </a:t>
-            </a:r>
-            <a:r>
-              <a:rPr lang="en-US" dirty="0"/>
-              <a:t>mining, </a:t>
-            </a:r>
-            <a:endParaRPr lang="en-US" dirty="0" smtClean="0"/>
-          </a:p>
-          <a:p>
-            <a:r>
-              <a:rPr lang="en-US" dirty="0" smtClean="0"/>
-              <a:t>visualization</a:t>
-            </a:r>
-            <a:r>
-              <a:rPr lang="en-US" dirty="0"/>
-              <a:t>, </a:t>
-            </a:r>
-            <a:endParaRPr lang="en-US" dirty="0" smtClean="0"/>
-          </a:p>
-          <a:p>
-            <a:r>
-              <a:rPr lang="en-US" dirty="0" smtClean="0"/>
-              <a:t>machine </a:t>
-            </a:r>
-            <a:r>
-              <a:rPr lang="en-US" dirty="0"/>
-              <a:t>translation, </a:t>
-            </a:r>
-            <a:endParaRPr lang="en-US" dirty="0" smtClean="0"/>
-          </a:p>
-          <a:p>
-            <a:r>
-              <a:rPr lang="en-US" dirty="0" smtClean="0"/>
-              <a:t>social </a:t>
-            </a:r>
-            <a:r>
-              <a:rPr lang="en-US"/>
-              <a:t>network </a:t>
-            </a:r>
-            <a:r>
-              <a:rPr lang="en-US" smtClean="0"/>
-              <a:t>filtering,</a:t>
-            </a:r>
-            <a:endParaRPr lang="en-US" dirty="0" smtClean="0"/>
-          </a:p>
-          <a:p>
-            <a:r>
-              <a:rPr lang="en-US" dirty="0" smtClean="0"/>
-              <a:t>e</a:t>
-            </a:r>
-            <a:r>
-              <a:rPr lang="en-US" dirty="0"/>
-              <a:t>-mail spam filtering.</a:t>
-            </a:r>
-          </a:p>
-        </p:txBody>
-      </p:sp>
+      </p:pic>
     </p:spTree>
     <p:extLst>
       <p:ext uri="{BB962C8B-B14F-4D97-AF65-F5344CB8AC3E}">
-        <p14:creationId xmlns:p14="http://schemas.microsoft.com/office/powerpoint/2010/main" val="3454006056"/>
+        <p14:creationId xmlns:p14="http://schemas.microsoft.com/office/powerpoint/2010/main" val="2817662796"/>
+      </p:ext>
+    </p:extLst>
+  </p:cSld>
+  <p:clrMapOvr>
+    <a:masterClrMapping/>
+  </p:clrMapOvr>
+  <p:transition xmlns:p14="http://schemas.microsoft.com/office/powerpoint/2010/main" spd="slow">
+    <p:wipe dir="d"/>
+  </p:transition>
+</p:sld>
+</file>
+
+<file path=ppt/slides/slide7.xml><?xml version="1.0" encoding="utf-8"?>
+<p:sld xmlns:a="http://schemas.openxmlformats.org/drawingml/2006/main" xmlns:r="http://schemas.openxmlformats.org/officeDocument/2006/relationships" xmlns:p="http://schemas.openxmlformats.org/presentationml/2006/main">
+  <p:cSld>
+    <p:spTree>
+      <p:nvGrpSpPr>
+        <p:cNvPr id="1" name=""/>
+        <p:cNvGrpSpPr/>
+        <p:nvPr/>
+      </p:nvGrpSpPr>
+      <p:grpSpPr>
+        <a:xfrm>
+          <a:off x="0" y="0"/>
+          <a:ext cx="0" cy="0"/>
+          <a:chOff x="0" y="0"/>
+          <a:chExt cx="0" cy="0"/>
+        </a:xfrm>
+      </p:grpSpPr>
+      <p:sp>
+        <p:nvSpPr>
+          <p:cNvPr id="2" name="Title 1"/>
+          <p:cNvSpPr>
+            <a:spLocks noGrp="1"/>
+          </p:cNvSpPr>
+          <p:nvPr>
+            <p:ph type="title"/>
+          </p:nvPr>
+        </p:nvSpPr>
+        <p:spPr/>
+        <p:txBody>
+          <a:bodyPr/>
+          <a:lstStyle/>
+          <a:p>
+            <a:r>
+              <a:rPr lang="en-US" dirty="0" smtClean="0"/>
+              <a:t>End to End view</a:t>
+            </a:r>
+            <a:endParaRPr lang="en-US" dirty="0"/>
+          </a:p>
+        </p:txBody>
+      </p:sp>
+      <p:pic>
+        <p:nvPicPr>
+          <p:cNvPr id="5" name="Picture 4"/>
+          <p:cNvPicPr>
+            <a:picLocks noChangeAspect="1"/>
+          </p:cNvPicPr>
+          <p:nvPr/>
+        </p:nvPicPr>
+        <p:blipFill>
+          <a:blip r:embed="rId2"/>
+          <a:stretch>
+            <a:fillRect/>
+          </a:stretch>
+        </p:blipFill>
+        <p:spPr>
+          <a:xfrm>
+            <a:off x="0" y="1778000"/>
+            <a:ext cx="9144000" cy="3280756"/>
+          </a:xfrm>
+          <a:prstGeom prst="rect">
+            <a:avLst/>
+          </a:prstGeom>
+        </p:spPr>
+      </p:pic>
+    </p:spTree>
+    <p:extLst>
+      <p:ext uri="{BB962C8B-B14F-4D97-AF65-F5344CB8AC3E}">
+        <p14:creationId xmlns:p14="http://schemas.microsoft.com/office/powerpoint/2010/main" val="4222314627"/>
+      </p:ext>
+    </p:extLst>
+  </p:cSld>
+  <p:clrMapOvr>
+    <a:masterClrMapping/>
+  </p:clrMapOvr>
+  <p:transition xmlns:p14="http://schemas.microsoft.com/office/powerpoint/2010/main" spd="slow">
+    <p:wipe dir="d"/>
+  </p:transition>
+</p:sld>
+</file>
+
+<file path=ppt/slides/slide8.xml><?xml version="1.0" encoding="utf-8"?>
+<p:sld xmlns:a="http://schemas.openxmlformats.org/drawingml/2006/main" xmlns:r="http://schemas.openxmlformats.org/officeDocument/2006/relationships" xmlns:p="http://schemas.openxmlformats.org/presentationml/2006/main">
+  <p:cSld>
+    <p:spTree>
+      <p:nvGrpSpPr>
+        <p:cNvPr id="1" name=""/>
+        <p:cNvGrpSpPr/>
+        <p:nvPr/>
+      </p:nvGrpSpPr>
+      <p:grpSpPr>
+        <a:xfrm>
+          <a:off x="0" y="0"/>
+          <a:ext cx="0" cy="0"/>
+          <a:chOff x="0" y="0"/>
+          <a:chExt cx="0" cy="0"/>
+        </a:xfrm>
+      </p:grpSpPr>
+      <p:sp>
+        <p:nvSpPr>
+          <p:cNvPr id="2" name="Title 1"/>
+          <p:cNvSpPr>
+            <a:spLocks noGrp="1"/>
+          </p:cNvSpPr>
+          <p:nvPr>
+            <p:ph type="title"/>
+          </p:nvPr>
+        </p:nvSpPr>
+        <p:spPr>
+          <a:xfrm>
+            <a:off x="762000" y="269632"/>
+            <a:ext cx="2819400" cy="2016368"/>
+          </a:xfrm>
+        </p:spPr>
+        <p:txBody>
+          <a:bodyPr>
+            <a:normAutofit/>
+          </a:bodyPr>
+          <a:lstStyle/>
+          <a:p>
+            <a:r>
+              <a:rPr lang="en-US" dirty="0" smtClean="0"/>
+              <a:t>TensorFlow example</a:t>
+            </a:r>
+            <a:endParaRPr lang="en-US" dirty="0"/>
+          </a:p>
+        </p:txBody>
+      </p:sp>
+      <p:pic>
+        <p:nvPicPr>
+          <p:cNvPr id="4" name="Picture 3"/>
+          <p:cNvPicPr>
+            <a:picLocks noChangeAspect="1"/>
+          </p:cNvPicPr>
+          <p:nvPr/>
+        </p:nvPicPr>
+        <p:blipFill>
+          <a:blip r:embed="rId2"/>
+          <a:stretch>
+            <a:fillRect/>
+          </a:stretch>
+        </p:blipFill>
+        <p:spPr>
+          <a:xfrm>
+            <a:off x="3949168" y="0"/>
+            <a:ext cx="5194832" cy="6858000"/>
+          </a:xfrm>
+          <a:prstGeom prst="rect">
+            <a:avLst/>
+          </a:prstGeom>
+        </p:spPr>
+      </p:pic>
+    </p:spTree>
+    <p:extLst>
+      <p:ext uri="{BB962C8B-B14F-4D97-AF65-F5344CB8AC3E}">
+        <p14:creationId xmlns:p14="http://schemas.microsoft.com/office/powerpoint/2010/main" val="1832009029"/>
       </p:ext>
     </p:extLst>
   </p:cSld>
